--- a/PPT.pptx
+++ b/PPT.pptx
@@ -7333,6 +7333,14 @@
           <a:bodyPr/>
           <a:lstStyle/>
           <a:p>
+            <a:r>
+              <a:rPr lang="en-US" dirty="0" smtClean="0"/>
+              <a:t>             https</a:t>
+            </a:r>
+            <a:r>
+              <a:rPr lang="en-US" dirty="0" smtClean="0"/>
+              <a:t>://github.com/Srikanth0101/Library-Services.git</a:t>
+            </a:r>
             <a:endParaRPr lang="en-US" dirty="0"/>
           </a:p>
         </p:txBody>
